--- a/Output/generated_ppt.pptx
+++ b/Output/generated_ppt.pptx
@@ -10,6 +10,7 @@
     <p:sldId id="258" r:id="rId9"/>
     <p:sldId id="259" r:id="rId10"/>
     <p:sldId id="260" r:id="rId11"/>
+    <p:sldId id="261" r:id="rId12"/>
   </p:sldIdLst>
   <p:sldSz cx="9144000" cy="6858000" type="screen4x3"/>
   <p:notesSz cx="6858000" cy="9144000"/>
@@ -3108,54 +3109,117 @@
           <a:lstStyle/>
           <a:p>
             <a:pPr>
-              <a:defRPr sz="4000" b="1">
+              <a:defRPr sz="4000">
+                <a:solidFill>
+                  <a:srgbClr val="302824"/>
+                </a:solidFill>
+              </a:defRPr>
+            </a:pPr>
+            <a:r>
+              <a:rPr b="0"/>
+              <a:t>King Kohli</a:t>
+            </a:r>
+          </a:p>
+        </p:txBody>
+      </p:sp>
+      <p:sp>
+        <p:nvSpPr>
+          <p:cNvPr id="3" name="Subtitle 2"/>
+          <p:cNvSpPr>
+            <a:spLocks noGrp="1"/>
+          </p:cNvSpPr>
+          <p:nvPr>
+            <p:ph type="subTitle" idx="1"/>
+          </p:nvPr>
+        </p:nvSpPr>
+        <p:spPr/>
+        <p:txBody>
+          <a:bodyPr/>
+          <a:lstStyle/>
+          <a:p>
+            <a:pPr>
+              <a:defRPr sz="2800">
+                <a:solidFill>
+                  <a:srgbClr val="505050"/>
+                </a:solidFill>
+              </a:defRPr>
+            </a:pPr>
+            <a:r>
+              <a:rPr b="0"/>
+              <a:t>An Informative Presentation</a:t>
+            </a:r>
+          </a:p>
+        </p:txBody>
+      </p:sp>
+      <p:sp>
+        <p:nvSpPr>
+          <p:cNvPr id="4" name="TextBox 3"/>
+          <p:cNvSpPr txBox="1"/>
+          <p:nvPr/>
+        </p:nvSpPr>
+        <p:spPr>
+          <a:xfrm>
+            <a:off x="254000" y="5080000"/>
+            <a:ext cx="3810000" cy="635000"/>
+          </a:xfrm>
+          <a:prstGeom prst="rect">
+            <a:avLst/>
+          </a:prstGeom>
+          <a:noFill/>
+        </p:spPr>
+        <p:txBody>
+          <a:bodyPr wrap="none">
+            <a:spAutoFit/>
+          </a:bodyPr>
+          <a:lstStyle/>
+          <a:p>
+            <a:pPr>
+              <a:defRPr sz="1800">
                 <a:solidFill>
                   <a:srgbClr val="003366"/>
                 </a:solidFill>
               </a:defRPr>
             </a:pPr>
             <a:r>
-              <a:t>India and Hockey</a:t>
-            </a:r>
-          </a:p>
-        </p:txBody>
-      </p:sp>
-      <p:sp>
-        <p:nvSpPr>
-          <p:cNvPr id="3" name="Subtitle 2"/>
-          <p:cNvSpPr>
-            <a:spLocks noGrp="1"/>
-          </p:cNvSpPr>
-          <p:nvPr>
-            <p:ph type="subTitle" idx="1"/>
-          </p:nvPr>
-        </p:nvSpPr>
-        <p:spPr/>
-        <p:txBody>
-          <a:bodyPr/>
-          <a:lstStyle/>
-          <a:p>
-            <a:pPr>
-              <a:defRPr sz="2400" i="1">
+              <a:rPr b="0"/>
+              <a:t>Author: Amey G M
+Date: October 26, 2023</a:t>
+            </a:r>
+          </a:p>
+        </p:txBody>
+      </p:sp>
+      <p:sp>
+        <p:nvSpPr>
+          <p:cNvPr id="5" name="TextBox 4"/>
+          <p:cNvSpPr txBox="1"/>
+          <p:nvPr/>
+        </p:nvSpPr>
+        <p:spPr>
+          <a:xfrm>
+            <a:off x="1270000" y="5842000"/>
+            <a:ext cx="10160000" cy="635000"/>
+          </a:xfrm>
+          <a:prstGeom prst="rect">
+            <a:avLst/>
+          </a:prstGeom>
+          <a:noFill/>
+        </p:spPr>
+        <p:txBody>
+          <a:bodyPr wrap="none">
+            <a:spAutoFit/>
+          </a:bodyPr>
+          <a:lstStyle/>
+          <a:p>
+            <a:pPr algn="ctr">
+              <a:defRPr sz="1800">
                 <a:solidFill>
-                  <a:srgbClr val="333333"/>
+                  <a:srgbClr val="003366"/>
                 </a:solidFill>
               </a:defRPr>
             </a:pPr>
             <a:r>
-              <a:t>A Legacy of Gold and Grit</a:t>
-            </a:r>
-          </a:p>
-          <a:p>
-            <a:pPr>
-              <a:defRPr sz="2400" i="1">
-                <a:solidFill>
-                  <a:srgbClr val="333333"/>
-                </a:solidFill>
-              </a:defRPr>
-            </a:pPr>
-            <a:r>
-              <a:t>Unpacking India's Deep Connection with the National Sport</a:t>
+              <a:rPr b="0"/>
+              <a:t>Celebrating a Modern Cricket Icon</a:t>
             </a:r>
           </a:p>
         </p:txBody>
@@ -3194,14 +3258,15 @@
           <a:lstStyle/>
           <a:p>
             <a:pPr>
-              <a:defRPr sz="4000" b="1">
+              <a:defRPr sz="4000">
                 <a:solidFill>
-                  <a:srgbClr val="003366"/>
+                  <a:srgbClr val="302824"/>
                 </a:solidFill>
               </a:defRPr>
             </a:pPr>
             <a:r>
-              <a:t>India's Golden Age: Unmatched Dominance</a:t>
+              <a:rPr b="0"/>
+              <a:t>The Rise of a Phenomenon</a:t>
             </a:r>
           </a:p>
         </p:txBody>
@@ -3223,98 +3288,56 @@
           <a:p/>
           <a:p>
             <a:pPr>
-              <a:defRPr sz="2000" b="0">
-                <a:solidFill>
-                  <a:srgbClr val="000000"/>
-                </a:solidFill>
-              </a:defRPr>
+              <a:defRPr sz="2000"/>
             </a:pPr>
             <a:r>
-              <a:t>India's hockey journey began with incredible success, especially in the early</a:t>
+              <a:rPr b="1"/>
+              <a:t>Early Promise &amp; U19 Success</a:t>
             </a:r>
           </a:p>
           <a:p>
             <a:pPr>
-              <a:defRPr sz="2000" b="0">
-                <a:solidFill>
-                  <a:srgbClr val="000000"/>
-                </a:solidFill>
-              </a:defRPr>
+              <a:defRPr sz="2000"/>
             </a:pPr>
             <a:r>
-              <a:t>20th century.</a:t>
+              <a:rPr b="0"/>
+              <a:t>Led India to victory in the 2008 U19 Cricket World Cup, showcasing early leadership and batting talent.</a:t>
             </a:r>
           </a:p>
           <a:p>
             <a:pPr>
-              <a:defRPr sz="2000" b="0">
-                <a:solidFill>
-                  <a:srgbClr val="000000"/>
-                </a:solidFill>
-              </a:defRPr>
+              <a:defRPr sz="2000"/>
             </a:pPr>
             <a:r>
-              <a:t>From 1928 to 1956, India won six consecutive Olympic gold medals – an</a:t>
+              <a:rPr b="1"/>
+              <a:t>International Debut &amp; Breakthrough</a:t>
             </a:r>
           </a:p>
           <a:p>
             <a:pPr>
-              <a:defRPr sz="2000" b="0">
-                <a:solidFill>
-                  <a:srgbClr val="000000"/>
-                </a:solidFill>
-              </a:defRPr>
+              <a:defRPr sz="2000"/>
             </a:pPr>
             <a:r>
-              <a:t>unparalleled feat in sports history!</a:t>
+              <a:rPr b="0"/>
+              <a:t>Debuted for India in 2008, quickly establishing himself with consistent performances across formats.</a:t>
             </a:r>
           </a:p>
           <a:p>
             <a:pPr>
-              <a:defRPr sz="2000" b="0">
-                <a:solidFill>
-                  <a:srgbClr val="000000"/>
-                </a:solidFill>
-              </a:defRPr>
+              <a:defRPr sz="2000"/>
             </a:pPr>
             <a:r>
-              <a:t>This era showcased India's unique style of play, characterized by dazzling</a:t>
+              <a:rPr b="1"/>
+              <a:t>Aggressive Style &amp; Fitness Ethos</a:t>
             </a:r>
           </a:p>
           <a:p>
             <a:pPr>
-              <a:defRPr sz="2000" b="0">
-                <a:solidFill>
-                  <a:srgbClr val="000000"/>
-                </a:solidFill>
-              </a:defRPr>
+              <a:defRPr sz="2000"/>
             </a:pPr>
             <a:r>
-              <a:t>stickwork and teamwork.</a:t>
-            </a:r>
-          </a:p>
-          <a:p>
-            <a:pPr>
-              <a:defRPr sz="2000" b="0">
-                <a:solidFill>
-                  <a:srgbClr val="000000"/>
-                </a:solidFill>
-              </a:defRPr>
-            </a:pPr>
-            <a:r>
-              <a:t>Hockey wasn't just a sport; it was a symbol of national pride and excellence on</a:t>
-            </a:r>
-          </a:p>
-          <a:p>
-            <a:pPr>
-              <a:defRPr sz="2000" b="0">
-                <a:solidFill>
-                  <a:srgbClr val="000000"/>
-                </a:solidFill>
-              </a:defRPr>
-            </a:pPr>
-            <a:r>
-              <a:t>the global stage.</a:t>
+              <a:rPr b="0"/>
+              <a:t>Revolutionized fitness standards in Indian cricket, inspiring a new generation with his dedication and intensity.</a:t>
             </a:r>
           </a:p>
         </p:txBody>
@@ -3353,14 +3376,15 @@
           <a:lstStyle/>
           <a:p>
             <a:pPr>
-              <a:defRPr sz="4000" b="1">
+              <a:defRPr sz="4000">
                 <a:solidFill>
-                  <a:srgbClr val="003366"/>
+                  <a:srgbClr val="302824"/>
                 </a:solidFill>
               </a:defRPr>
             </a:pPr>
             <a:r>
-              <a:t>Dhyan Chand: The Hockey Wizard</a:t>
+              <a:rPr b="0"/>
+              <a:t>Batting Dominance &amp; Record-Breaking Feats</a:t>
             </a:r>
           </a:p>
         </p:txBody>
@@ -3382,98 +3406,74 @@
           <a:p/>
           <a:p>
             <a:pPr>
-              <a:defRPr sz="2000" b="0">
-                <a:solidFill>
-                  <a:srgbClr val="000000"/>
-                </a:solidFill>
-              </a:defRPr>
+              <a:defRPr sz="2000"/>
             </a:pPr>
             <a:r>
-              <a:t>Major Dhyan Chand is arguably the greatest hockey player of all time, a true</a:t>
+              <a:rPr b="1"/>
+              <a:t>Master of All Formats</a:t>
             </a:r>
           </a:p>
           <a:p>
             <a:pPr>
-              <a:defRPr sz="2000" b="0">
-                <a:solidFill>
-                  <a:srgbClr val="000000"/>
-                </a:solidFill>
-              </a:defRPr>
+              <a:defRPr sz="2000"/>
             </a:pPr>
             <a:r>
-              <a:t>legend.</a:t>
+              <a:rPr b="0"/>
+              <a:t>Renowned for his exceptional consistency in Tests, ODIs, and T20Is, adapting his game to various conditions.</a:t>
             </a:r>
           </a:p>
           <a:p>
             <a:pPr>
-              <a:defRPr sz="2000" b="0">
-                <a:solidFill>
-                  <a:srgbClr val="000000"/>
-                </a:solidFill>
-              </a:defRPr>
+              <a:defRPr sz="2000"/>
             </a:pPr>
             <a:r>
-              <a:t>Known as 'The Wizard' for his incredible ball control and goal-scoring ability,</a:t>
+              <a:rPr b="1"/>
+              <a:t>ODI Century Machine</a:t>
             </a:r>
           </a:p>
           <a:p>
             <a:pPr>
-              <a:defRPr sz="2000" b="0">
-                <a:solidFill>
-                  <a:srgbClr val="000000"/>
-                </a:solidFill>
-              </a:defRPr>
+              <a:defRPr sz="2000"/>
             </a:pPr>
             <a:r>
-              <a:t>he led India to three Olympic golds (1928, 1932, 1936).</a:t>
+              <a:rPr b="0"/>
+              <a:t>Holds numerous records in One Day Internationals, including the fastest to multiple century milestones.</a:t>
             </a:r>
           </a:p>
           <a:p>
             <a:pPr>
-              <a:defRPr sz="2000" b="0">
-                <a:solidFill>
-                  <a:srgbClr val="000000"/>
-                </a:solidFill>
-              </a:defRPr>
+              <a:defRPr sz="2000"/>
             </a:pPr>
             <a:r>
-              <a:t>His stickwork was so mesmerizing that stories say his stick was broken to check</a:t>
+              <a:rPr b="1"/>
+              <a:t>Chasing Maestro</a:t>
             </a:r>
           </a:p>
           <a:p>
             <a:pPr>
-              <a:defRPr sz="2000" b="0">
-                <a:solidFill>
-                  <a:srgbClr val="000000"/>
-                </a:solidFill>
-              </a:defRPr>
+              <a:defRPr sz="2000"/>
             </a:pPr>
             <a:r>
-              <a:t>for magnets!</a:t>
+              <a:rPr b="0"/>
+              <a:t>Celebrated for his ability to perform under pressure, often guiding India to victory in challenging run-chases.</a:t>
             </a:r>
           </a:p>
           <a:p>
             <a:pPr>
-              <a:defRPr sz="2000" b="0">
-                <a:solidFill>
-                  <a:srgbClr val="000000"/>
-                </a:solidFill>
-              </a:defRPr>
+              <a:defRPr sz="2000"/>
             </a:pPr>
             <a:r>
-              <a:t>His birthday, August 29th, is celebrated as National Sports Day in India,</a:t>
+              <a:rPr b="1"/>
+              <a:t>Consistent Run-Scorer</a:t>
             </a:r>
           </a:p>
           <a:p>
             <a:pPr>
-              <a:defRPr sz="2000" b="0">
-                <a:solidFill>
-                  <a:srgbClr val="000000"/>
-                </a:solidFill>
-              </a:defRPr>
+              <a:defRPr sz="2000"/>
             </a:pPr>
             <a:r>
-              <a:t>honoring his immense contribution.</a:t>
+              <a:rPr b="0"/>
+              <a:t>One of the few batsmen to average over 50 in all three international formats for extended periods.</a:t>
             </a:r>
           </a:p>
         </p:txBody>
@@ -3512,14 +3512,15 @@
           <a:lstStyle/>
           <a:p>
             <a:pPr>
-              <a:defRPr sz="4000" b="1">
+              <a:defRPr sz="4000">
                 <a:solidFill>
-                  <a:srgbClr val="003366"/>
+                  <a:srgbClr val="302824"/>
                 </a:solidFill>
               </a:defRPr>
             </a:pPr>
             <a:r>
-              <a:t>A Period of Transition &amp; Challenges</a:t>
+              <a:rPr b="0"/>
+              <a:t>Captaincy &amp; Leadership Impact</a:t>
             </a:r>
           </a:p>
         </p:txBody>
@@ -3541,98 +3542,56 @@
           <a:p/>
           <a:p>
             <a:pPr>
-              <a:defRPr sz="2000" b="0">
-                <a:solidFill>
-                  <a:srgbClr val="000000"/>
-                </a:solidFill>
-              </a:defRPr>
+              <a:defRPr sz="2000"/>
             </a:pPr>
             <a:r>
-              <a:t>Post-1980, Indian hockey faced a decline in its dominant position, with the last</a:t>
+              <a:rPr b="1"/>
+              <a:t>Transformative Test Captain</a:t>
             </a:r>
           </a:p>
           <a:p>
             <a:pPr>
-              <a:defRPr sz="2000" b="0">
-                <a:solidFill>
-                  <a:srgbClr val="000000"/>
-                </a:solidFill>
-              </a:defRPr>
+              <a:defRPr sz="2000"/>
             </a:pPr>
             <a:r>
-              <a:t>Olympic gold in 1980.</a:t>
+              <a:rPr b="0"/>
+              <a:t>Led India to unprecedented success in Test cricket, including a historic series win in Australia.</a:t>
             </a:r>
           </a:p>
           <a:p>
             <a:pPr>
-              <a:defRPr sz="2000" b="0">
-                <a:solidFill>
-                  <a:srgbClr val="000000"/>
-                </a:solidFill>
-              </a:defRPr>
+              <a:defRPr sz="2000"/>
             </a:pPr>
             <a:r>
-              <a:t>The introduction of artificial turf (Astroturf) changed the game, favoring speed</a:t>
+              <a:rPr b="1"/>
+              <a:t>Aggressive &amp; Fearless Approach</a:t>
             </a:r>
           </a:p>
           <a:p>
             <a:pPr>
-              <a:defRPr sz="2000" b="0">
-                <a:solidFill>
-                  <a:srgbClr val="000000"/>
-                </a:solidFill>
-              </a:defRPr>
+              <a:defRPr sz="2000"/>
             </a:pPr>
             <a:r>
-              <a:t>and power over traditional dribbling skills.</a:t>
+              <a:rPr b="0"/>
+              <a:t>Instilled a winning mentality and an aggressive brand of cricket, pushing boundaries on the field.</a:t>
             </a:r>
           </a:p>
           <a:p>
             <a:pPr>
-              <a:defRPr sz="2000" b="0">
-                <a:solidFill>
-                  <a:srgbClr val="000000"/>
-                </a:solidFill>
-              </a:defRPr>
+              <a:defRPr sz="2000"/>
             </a:pPr>
             <a:r>
-              <a:t>Other sports like cricket gained massive popularity, diverting talent and</a:t>
+              <a:rPr b="1"/>
+              <a:t>Fitness &amp; Team Culture</a:t>
             </a:r>
           </a:p>
           <a:p>
             <a:pPr>
-              <a:defRPr sz="2000" b="0">
-                <a:solidFill>
-                  <a:srgbClr val="000000"/>
-                </a:solidFill>
-              </a:defRPr>
+              <a:defRPr sz="2000"/>
             </a:pPr>
             <a:r>
-              <a:t>resources away from hockey.</a:t>
-            </a:r>
-          </a:p>
-          <a:p>
-            <a:pPr>
-              <a:defRPr sz="2000" b="0">
-                <a:solidFill>
-                  <a:srgbClr val="000000"/>
-                </a:solidFill>
-              </a:defRPr>
-            </a:pPr>
-            <a:r>
-              <a:t>Despite challenges, the passion for hockey never truly faded, with fans always</a:t>
-            </a:r>
-          </a:p>
-          <a:p>
-            <a:pPr>
-              <a:defRPr sz="2000" b="0">
-                <a:solidFill>
-                  <a:srgbClr val="000000"/>
-                </a:solidFill>
-              </a:defRPr>
-            </a:pPr>
-            <a:r>
-              <a:t>hoping for a comeback.</a:t>
+              <a:rPr b="0"/>
+              <a:t>Championed a high-performance culture, emphasizing physical fitness and mental resilience within the squad.</a:t>
             </a:r>
           </a:p>
         </p:txBody>
@@ -3671,14 +3630,15 @@
           <a:lstStyle/>
           <a:p>
             <a:pPr>
-              <a:defRPr sz="4000" b="1">
+              <a:defRPr sz="4000">
                 <a:solidFill>
-                  <a:srgbClr val="003366"/>
+                  <a:srgbClr val="302824"/>
                 </a:solidFill>
               </a:defRPr>
             </a:pPr>
             <a:r>
-              <a:t>The Resurgence and Future Hopes</a:t>
+              <a:rPr b="0"/>
+              <a:t>Legacy &amp; Enduring Influence</a:t>
             </a:r>
           </a:p>
         </p:txBody>
@@ -3700,98 +3660,110 @@
           <a:p/>
           <a:p>
             <a:pPr>
-              <a:defRPr sz="2000" b="0">
+              <a:defRPr sz="2000"/>
+            </a:pPr>
+            <a:r>
+              <a:rPr b="1"/>
+              <a:t>Modern Cricket Icon</a:t>
+            </a:r>
+          </a:p>
+          <a:p>
+            <a:pPr>
+              <a:defRPr sz="2000"/>
+            </a:pPr>
+            <a:r>
+              <a:rPr b="0"/>
+              <a:t>Regarded as one of the greatest batsmen of his era, inspiring millions globally with his skill and passion.</a:t>
+            </a:r>
+          </a:p>
+          <a:p>
+            <a:pPr>
+              <a:defRPr sz="2000"/>
+            </a:pPr>
+            <a:r>
+              <a:rPr b="1"/>
+              <a:t>Global Brand Ambassador</a:t>
+            </a:r>
+          </a:p>
+          <a:p>
+            <a:pPr>
+              <a:defRPr sz="2000"/>
+            </a:pPr>
+            <a:r>
+              <a:rPr b="0"/>
+              <a:t>Beyond cricket, he is a prominent figure in sports and philanthropy, influencing youth worldwide.</a:t>
+            </a:r>
+          </a:p>
+          <a:p>
+            <a:pPr>
+              <a:defRPr sz="2000"/>
+            </a:pPr>
+            <a:r>
+              <a:rPr b="1"/>
+              <a:t>Continuing Excellence</a:t>
+            </a:r>
+          </a:p>
+          <a:p>
+            <a:pPr>
+              <a:defRPr sz="2000"/>
+            </a:pPr>
+            <a:r>
+              <a:rPr b="0"/>
+              <a:t>Continues to break records and set new benchmarks, solidifying his place among cricket's all-time legends.</a:t>
+            </a:r>
+          </a:p>
+        </p:txBody>
+      </p:sp>
+    </p:spTree>
+  </p:cSld>
+  <p:clrMapOvr>
+    <a:masterClrMapping/>
+  </p:clrMapOvr>
+</p:sld>
+</file>
+
+<file path=ppt/slides/slide6.xml><?xml version="1.0" encoding="utf-8"?>
+<p:sld xmlns:a="http://schemas.openxmlformats.org/drawingml/2006/main" xmlns:p="http://schemas.openxmlformats.org/presentationml/2006/main" xmlns:r="http://schemas.openxmlformats.org/officeDocument/2006/relationships">
+  <p:cSld>
+    <p:spTree>
+      <p:nvGrpSpPr>
+        <p:cNvPr id="1" name=""/>
+        <p:cNvGrpSpPr/>
+        <p:nvPr/>
+      </p:nvGrpSpPr>
+      <p:grpSpPr/>
+      <p:sp>
+        <p:nvSpPr>
+          <p:cNvPr id="2" name="TextBox 1"/>
+          <p:cNvSpPr txBox="1"/>
+          <p:nvPr/>
+        </p:nvSpPr>
+        <p:spPr>
+          <a:xfrm>
+            <a:off x="914400" y="2743200"/>
+            <a:ext cx="7315200" cy="914400"/>
+          </a:xfrm>
+          <a:prstGeom prst="rect">
+            <a:avLst/>
+          </a:prstGeom>
+          <a:noFill/>
+        </p:spPr>
+        <p:txBody>
+          <a:bodyPr wrap="none">
+            <a:spAutoFit/>
+          </a:bodyPr>
+          <a:lstStyle/>
+          <a:p>
+            <a:pPr algn="ctr">
+              <a:defRPr sz="4000">
                 <a:solidFill>
-                  <a:srgbClr val="000000"/>
+                  <a:srgbClr val="302824"/>
                 </a:solidFill>
               </a:defRPr>
             </a:pPr>
             <a:r>
-              <a:t>Recent years have seen a significant revival, with renewed focus on</a:t>
-            </a:r>
-          </a:p>
-          <a:p>
-            <a:pPr>
-              <a:defRPr sz="2000" b="0">
-                <a:solidFill>
-                  <a:srgbClr val="000000"/>
-                </a:solidFill>
-              </a:defRPr>
-            </a:pPr>
-            <a:r>
-              <a:t>infrastructure, coaching, and grassroots development.</a:t>
-            </a:r>
-          </a:p>
-          <a:p>
-            <a:pPr>
-              <a:defRPr sz="2000" b="0">
-                <a:solidFill>
-                  <a:srgbClr val="000000"/>
-                </a:solidFill>
-              </a:defRPr>
-            </a:pPr>
-            <a:r>
-              <a:t>Both the men's and women's teams have shown promising performances, including</a:t>
-            </a:r>
-          </a:p>
-          <a:p>
-            <a:pPr>
-              <a:defRPr sz="2000" b="0">
-                <a:solidFill>
-                  <a:srgbClr val="000000"/>
-                </a:solidFill>
-              </a:defRPr>
-            </a:pPr>
-            <a:r>
-              <a:t>the men's bronze medal at the Tokyo 2020 Olympics!</a:t>
-            </a:r>
-          </a:p>
-          <a:p>
-            <a:pPr>
-              <a:defRPr sz="2000" b="0">
-                <a:solidFill>
-                  <a:srgbClr val="000000"/>
-                </a:solidFill>
-              </a:defRPr>
-            </a:pPr>
-            <a:r>
-              <a:t>Leagues like the Hockey India League (HIL) helped professionalize the sport and</a:t>
-            </a:r>
-          </a:p>
-          <a:p>
-            <a:pPr>
-              <a:defRPr sz="2000" b="0">
-                <a:solidFill>
-                  <a:srgbClr val="000000"/>
-                </a:solidFill>
-              </a:defRPr>
-            </a:pPr>
-            <a:r>
-              <a:t>attract international talent.</a:t>
-            </a:r>
-          </a:p>
-          <a:p>
-            <a:pPr>
-              <a:defRPr sz="2000" b="0">
-                <a:solidFill>
-                  <a:srgbClr val="000000"/>
-                </a:solidFill>
-              </a:defRPr>
-            </a:pPr>
-            <a:r>
-              <a:t>With continued support and dedication, Indian hockey is aiming to reclaim its</a:t>
-            </a:r>
-          </a:p>
-          <a:p>
-            <a:pPr>
-              <a:defRPr sz="2000" b="0">
-                <a:solidFill>
-                  <a:srgbClr val="000000"/>
-                </a:solidFill>
-              </a:defRPr>
-            </a:pPr>
-            <a:r>
-              <a:t>top spot and inspire a new generation.</a:t>
+              <a:rPr b="0"/>
+              <a:t>Thank You!</a:t>
             </a:r>
           </a:p>
         </p:txBody>
